--- a/slides/cds431_week9_2.pptx
+++ b/slides/cds431_week9_2.pptx
@@ -199,7 +199,7 @@
           <a:p>
             <a:fld id="{47DACD6E-E7EF-7C4C-9854-58BEBE3B5DEE}" type="datetimeFigureOut">
               <a:rPr lang="en-US" smtClean="0"/>
-              <a:t>1/11/22</a:t>
+              <a:t>5/24/22</a:t>
             </a:fld>
             <a:endParaRPr lang="en-US"/>
           </a:p>
@@ -697,7 +697,7 @@
           <a:p>
             <a:fld id="{103AB393-843B-0549-A1DB-D48CA4D2E3CA}" type="datetimeFigureOut">
               <a:rPr lang="en-US" smtClean="0"/>
-              <a:t>1/11/22</a:t>
+              <a:t>5/24/22</a:t>
             </a:fld>
             <a:endParaRPr lang="en-US"/>
           </a:p>
@@ -895,7 +895,7 @@
           <a:p>
             <a:fld id="{103AB393-843B-0549-A1DB-D48CA4D2E3CA}" type="datetimeFigureOut">
               <a:rPr lang="en-US" smtClean="0"/>
-              <a:t>1/11/22</a:t>
+              <a:t>5/24/22</a:t>
             </a:fld>
             <a:endParaRPr lang="en-US"/>
           </a:p>
@@ -1103,7 +1103,7 @@
           <a:p>
             <a:fld id="{103AB393-843B-0549-A1DB-D48CA4D2E3CA}" type="datetimeFigureOut">
               <a:rPr lang="en-US" smtClean="0"/>
-              <a:t>1/11/22</a:t>
+              <a:t>5/24/22</a:t>
             </a:fld>
             <a:endParaRPr lang="en-US"/>
           </a:p>
@@ -1301,7 +1301,7 @@
           <a:p>
             <a:fld id="{103AB393-843B-0549-A1DB-D48CA4D2E3CA}" type="datetimeFigureOut">
               <a:rPr lang="en-US" smtClean="0"/>
-              <a:t>1/11/22</a:t>
+              <a:t>5/24/22</a:t>
             </a:fld>
             <a:endParaRPr lang="en-US"/>
           </a:p>
@@ -1576,7 +1576,7 @@
           <a:p>
             <a:fld id="{103AB393-843B-0549-A1DB-D48CA4D2E3CA}" type="datetimeFigureOut">
               <a:rPr lang="en-US" smtClean="0"/>
-              <a:t>1/11/22</a:t>
+              <a:t>5/24/22</a:t>
             </a:fld>
             <a:endParaRPr lang="en-US"/>
           </a:p>
@@ -1841,7 +1841,7 @@
           <a:p>
             <a:fld id="{103AB393-843B-0549-A1DB-D48CA4D2E3CA}" type="datetimeFigureOut">
               <a:rPr lang="en-US" smtClean="0"/>
-              <a:t>1/11/22</a:t>
+              <a:t>5/24/22</a:t>
             </a:fld>
             <a:endParaRPr lang="en-US"/>
           </a:p>
@@ -2253,7 +2253,7 @@
           <a:p>
             <a:fld id="{103AB393-843B-0549-A1DB-D48CA4D2E3CA}" type="datetimeFigureOut">
               <a:rPr lang="en-US" smtClean="0"/>
-              <a:t>1/11/22</a:t>
+              <a:t>5/24/22</a:t>
             </a:fld>
             <a:endParaRPr lang="en-US"/>
           </a:p>
@@ -2394,7 +2394,7 @@
           <a:p>
             <a:fld id="{103AB393-843B-0549-A1DB-D48CA4D2E3CA}" type="datetimeFigureOut">
               <a:rPr lang="en-US" smtClean="0"/>
-              <a:t>1/11/22</a:t>
+              <a:t>5/24/22</a:t>
             </a:fld>
             <a:endParaRPr lang="en-US"/>
           </a:p>
@@ -2507,7 +2507,7 @@
           <a:p>
             <a:fld id="{103AB393-843B-0549-A1DB-D48CA4D2E3CA}" type="datetimeFigureOut">
               <a:rPr lang="en-US" smtClean="0"/>
-              <a:t>1/11/22</a:t>
+              <a:t>5/24/22</a:t>
             </a:fld>
             <a:endParaRPr lang="en-US"/>
           </a:p>
@@ -2818,7 +2818,7 @@
           <a:p>
             <a:fld id="{103AB393-843B-0549-A1DB-D48CA4D2E3CA}" type="datetimeFigureOut">
               <a:rPr lang="en-US" smtClean="0"/>
-              <a:t>1/11/22</a:t>
+              <a:t>5/24/22</a:t>
             </a:fld>
             <a:endParaRPr lang="en-US"/>
           </a:p>
@@ -3106,7 +3106,7 @@
           <a:p>
             <a:fld id="{103AB393-843B-0549-A1DB-D48CA4D2E3CA}" type="datetimeFigureOut">
               <a:rPr lang="en-US" smtClean="0"/>
-              <a:t>1/11/22</a:t>
+              <a:t>5/24/22</a:t>
             </a:fld>
             <a:endParaRPr lang="en-US"/>
           </a:p>
@@ -3377,7 +3377,7 @@
           <a:p>
             <a:fld id="{103AB393-843B-0549-A1DB-D48CA4D2E3CA}" type="datetimeFigureOut">
               <a:rPr lang="en-US" smtClean="0"/>
-              <a:t>1/11/22</a:t>
+              <a:t>5/24/22</a:t>
             </a:fld>
             <a:endParaRPr lang="en-US"/>
           </a:p>
@@ -3897,7 +3897,7 @@
         <p:spPr>
           <a:xfrm>
             <a:off x="2377949" y="1918699"/>
-            <a:ext cx="8058131" cy="3046988"/>
+            <a:ext cx="8058131" cy="2677656"/>
           </a:xfrm>
           <a:prstGeom prst="rect">
             <a:avLst/>
@@ -3952,16 +3952,6 @@
               <a:buAutoNum type="arabicPeriod"/>
             </a:pPr>
             <a:endParaRPr lang="en-US" sz="2400" dirty="0"/>
-          </a:p>
-          <a:p>
-            <a:pPr marL="457200" indent="-457200">
-              <a:buFont typeface="+mj-lt"/>
-              <a:buAutoNum type="arabicPeriod"/>
-            </a:pPr>
-            <a:r>
-              <a:rPr lang="en-US" sz="2400" dirty="0"/>
-              <a:t>Final Group Participation Feedback</a:t>
-            </a:r>
           </a:p>
           <a:p>
             <a:r>

--- a/slides/cds431_week9_2.pptx
+++ b/slides/cds431_week9_2.pptx
@@ -199,7 +199,7 @@
           <a:p>
             <a:fld id="{47DACD6E-E7EF-7C4C-9854-58BEBE3B5DEE}" type="datetimeFigureOut">
               <a:rPr lang="en-US" smtClean="0"/>
-              <a:t>5/24/22</a:t>
+              <a:t>5/26/22</a:t>
             </a:fld>
             <a:endParaRPr lang="en-US"/>
           </a:p>
@@ -697,7 +697,7 @@
           <a:p>
             <a:fld id="{103AB393-843B-0549-A1DB-D48CA4D2E3CA}" type="datetimeFigureOut">
               <a:rPr lang="en-US" smtClean="0"/>
-              <a:t>5/24/22</a:t>
+              <a:t>5/26/22</a:t>
             </a:fld>
             <a:endParaRPr lang="en-US"/>
           </a:p>
@@ -895,7 +895,7 @@
           <a:p>
             <a:fld id="{103AB393-843B-0549-A1DB-D48CA4D2E3CA}" type="datetimeFigureOut">
               <a:rPr lang="en-US" smtClean="0"/>
-              <a:t>5/24/22</a:t>
+              <a:t>5/26/22</a:t>
             </a:fld>
             <a:endParaRPr lang="en-US"/>
           </a:p>
@@ -1103,7 +1103,7 @@
           <a:p>
             <a:fld id="{103AB393-843B-0549-A1DB-D48CA4D2E3CA}" type="datetimeFigureOut">
               <a:rPr lang="en-US" smtClean="0"/>
-              <a:t>5/24/22</a:t>
+              <a:t>5/26/22</a:t>
             </a:fld>
             <a:endParaRPr lang="en-US"/>
           </a:p>
@@ -1301,7 +1301,7 @@
           <a:p>
             <a:fld id="{103AB393-843B-0549-A1DB-D48CA4D2E3CA}" type="datetimeFigureOut">
               <a:rPr lang="en-US" smtClean="0"/>
-              <a:t>5/24/22</a:t>
+              <a:t>5/26/22</a:t>
             </a:fld>
             <a:endParaRPr lang="en-US"/>
           </a:p>
@@ -1576,7 +1576,7 @@
           <a:p>
             <a:fld id="{103AB393-843B-0549-A1DB-D48CA4D2E3CA}" type="datetimeFigureOut">
               <a:rPr lang="en-US" smtClean="0"/>
-              <a:t>5/24/22</a:t>
+              <a:t>5/26/22</a:t>
             </a:fld>
             <a:endParaRPr lang="en-US"/>
           </a:p>
@@ -1841,7 +1841,7 @@
           <a:p>
             <a:fld id="{103AB393-843B-0549-A1DB-D48CA4D2E3CA}" type="datetimeFigureOut">
               <a:rPr lang="en-US" smtClean="0"/>
-              <a:t>5/24/22</a:t>
+              <a:t>5/26/22</a:t>
             </a:fld>
             <a:endParaRPr lang="en-US"/>
           </a:p>
@@ -2253,7 +2253,7 @@
           <a:p>
             <a:fld id="{103AB393-843B-0549-A1DB-D48CA4D2E3CA}" type="datetimeFigureOut">
               <a:rPr lang="en-US" smtClean="0"/>
-              <a:t>5/24/22</a:t>
+              <a:t>5/26/22</a:t>
             </a:fld>
             <a:endParaRPr lang="en-US"/>
           </a:p>
@@ -2394,7 +2394,7 @@
           <a:p>
             <a:fld id="{103AB393-843B-0549-A1DB-D48CA4D2E3CA}" type="datetimeFigureOut">
               <a:rPr lang="en-US" smtClean="0"/>
-              <a:t>5/24/22</a:t>
+              <a:t>5/26/22</a:t>
             </a:fld>
             <a:endParaRPr lang="en-US"/>
           </a:p>
@@ -2507,7 +2507,7 @@
           <a:p>
             <a:fld id="{103AB393-843B-0549-A1DB-D48CA4D2E3CA}" type="datetimeFigureOut">
               <a:rPr lang="en-US" smtClean="0"/>
-              <a:t>5/24/22</a:t>
+              <a:t>5/26/22</a:t>
             </a:fld>
             <a:endParaRPr lang="en-US"/>
           </a:p>
@@ -2818,7 +2818,7 @@
           <a:p>
             <a:fld id="{103AB393-843B-0549-A1DB-D48CA4D2E3CA}" type="datetimeFigureOut">
               <a:rPr lang="en-US" smtClean="0"/>
-              <a:t>5/24/22</a:t>
+              <a:t>5/26/22</a:t>
             </a:fld>
             <a:endParaRPr lang="en-US"/>
           </a:p>
@@ -3106,7 +3106,7 @@
           <a:p>
             <a:fld id="{103AB393-843B-0549-A1DB-D48CA4D2E3CA}" type="datetimeFigureOut">
               <a:rPr lang="en-US" smtClean="0"/>
-              <a:t>5/24/22</a:t>
+              <a:t>5/26/22</a:t>
             </a:fld>
             <a:endParaRPr lang="en-US"/>
           </a:p>
@@ -3377,7 +3377,7 @@
           <a:p>
             <a:fld id="{103AB393-843B-0549-A1DB-D48CA4D2E3CA}" type="datetimeFigureOut">
               <a:rPr lang="en-US" smtClean="0"/>
-              <a:t>5/24/22</a:t>
+              <a:t>5/26/22</a:t>
             </a:fld>
             <a:endParaRPr lang="en-US"/>
           </a:p>
@@ -3873,7 +3873,7 @@
                   <a:srgbClr val="FF0000"/>
                 </a:solidFill>
               </a:rPr>
-              <a:t>June 4th at 5:00 pm </a:t>
+              <a:t>June 3rd at 5:00 pm </a:t>
             </a:r>
             <a:r>
               <a:rPr lang="en-US" sz="2800" dirty="0"/>
@@ -3897,7 +3897,7 @@
         <p:spPr>
           <a:xfrm>
             <a:off x="2377949" y="1918699"/>
-            <a:ext cx="8058131" cy="2677656"/>
+            <a:ext cx="8058131" cy="3416320"/>
           </a:xfrm>
           <a:prstGeom prst="rect">
             <a:avLst/>
@@ -3944,6 +3944,15 @@
             <a:r>
               <a:rPr lang="en-US" sz="2400" dirty="0"/>
               <a:t>	On cover sheet note the number of activities completed</a:t>
+            </a:r>
+          </a:p>
+          <a:p>
+            <a:endParaRPr lang="en-US" sz="2400" dirty="0"/>
+          </a:p>
+          <a:p>
+            <a:r>
+              <a:rPr lang="en-US" sz="2400" dirty="0"/>
+              <a:t>3. Any outstanding out-of-class assignments </a:t>
             </a:r>
           </a:p>
           <a:p>
